--- a/Week 1 - Fundamentals/PowerPoint Presentations/Week_1_Part_4_Fundamentals.pptx
+++ b/Week 1 - Fundamentals/PowerPoint Presentations/Week_1_Part_4_Fundamentals.pptx
@@ -210,7 +210,7 @@
           <a:p>
             <a:fld id="{C0DB4203-FCE6-4DB9-8B82-6DDA69D645A0}" type="datetimeFigureOut">
               <a:rPr lang="en-ZA" smtClean="0"/>
-              <a:t>2023/05/09</a:t>
+              <a:t>23 May 2023</a:t>
             </a:fld>
             <a:endParaRPr lang="en-ZA"/>
           </a:p>
@@ -5377,6 +5377,190 @@
               </a:rPr>
               <a:t>Week_1_Part_4_Fundamentals.mlx</a:t>
             </a:r>
+            <a:endParaRPr lang="en-ZA" sz="1600" dirty="0">
+              <a:effectLst/>
+              <a:latin typeface="Helvetica" panose="020B0604020202020204" pitchFamily="34" charset="0"/>
+              <a:ea typeface="Times New Roman" panose="02020603050405020304" pitchFamily="18" charset="0"/>
+              <a:cs typeface="Times New Roman" panose="02020603050405020304" pitchFamily="18" charset="0"/>
+            </a:endParaRPr>
+          </a:p>
+          <a:p>
+            <a:pPr marL="0" indent="0">
+              <a:lnSpc>
+                <a:spcPct val="107000"/>
+              </a:lnSpc>
+              <a:spcBef>
+                <a:spcPts val="1050"/>
+              </a:spcBef>
+              <a:spcAft>
+                <a:spcPts val="1050"/>
+              </a:spcAft>
+              <a:buNone/>
+            </a:pPr>
+            <a:endParaRPr lang="en-GB" sz="1800" b="1" i="1" dirty="0">
+              <a:effectLst/>
+              <a:latin typeface="Helvetica" panose="020B0604020202020204" pitchFamily="34" charset="0"/>
+              <a:ea typeface="Times New Roman" panose="02020603050405020304" pitchFamily="18" charset="0"/>
+              <a:cs typeface="Times New Roman" panose="02020603050405020304" pitchFamily="18" charset="0"/>
+            </a:endParaRPr>
+          </a:p>
+          <a:p>
+            <a:pPr marL="0" indent="0">
+              <a:lnSpc>
+                <a:spcPct val="107000"/>
+              </a:lnSpc>
+              <a:spcBef>
+                <a:spcPts val="1050"/>
+              </a:spcBef>
+              <a:spcAft>
+                <a:spcPts val="1050"/>
+              </a:spcAft>
+              <a:buNone/>
+            </a:pPr>
+            <a:endParaRPr lang="en-GB" sz="1800" b="1" i="1" dirty="0">
+              <a:latin typeface="Helvetica" panose="020B0604020202020204" pitchFamily="34" charset="0"/>
+              <a:ea typeface="Times New Roman" panose="02020603050405020304" pitchFamily="18" charset="0"/>
+              <a:cs typeface="Times New Roman" panose="02020603050405020304" pitchFamily="18" charset="0"/>
+            </a:endParaRPr>
+          </a:p>
+          <a:p>
+            <a:pPr marL="0" indent="0">
+              <a:lnSpc>
+                <a:spcPct val="107000"/>
+              </a:lnSpc>
+              <a:spcBef>
+                <a:spcPts val="1050"/>
+              </a:spcBef>
+              <a:spcAft>
+                <a:spcPts val="1050"/>
+              </a:spcAft>
+              <a:buNone/>
+            </a:pPr>
+            <a:endParaRPr lang="en-GB" sz="1800" b="1" i="1" dirty="0">
+              <a:effectLst/>
+              <a:latin typeface="Helvetica" panose="020B0604020202020204" pitchFamily="34" charset="0"/>
+              <a:ea typeface="Times New Roman" panose="02020603050405020304" pitchFamily="18" charset="0"/>
+              <a:cs typeface="Times New Roman" panose="02020603050405020304" pitchFamily="18" charset="0"/>
+            </a:endParaRPr>
+          </a:p>
+          <a:p>
+            <a:pPr marL="0" indent="0">
+              <a:lnSpc>
+                <a:spcPct val="107000"/>
+              </a:lnSpc>
+              <a:spcBef>
+                <a:spcPts val="1050"/>
+              </a:spcBef>
+              <a:spcAft>
+                <a:spcPts val="1050"/>
+              </a:spcAft>
+              <a:buNone/>
+            </a:pPr>
+            <a:endParaRPr lang="en-GB" sz="1800" b="1" i="1" dirty="0">
+              <a:latin typeface="Helvetica" panose="020B0604020202020204" pitchFamily="34" charset="0"/>
+              <a:ea typeface="Times New Roman" panose="02020603050405020304" pitchFamily="18" charset="0"/>
+              <a:cs typeface="Times New Roman" panose="02020603050405020304" pitchFamily="18" charset="0"/>
+            </a:endParaRPr>
+          </a:p>
+          <a:p>
+            <a:pPr marL="0" indent="0">
+              <a:lnSpc>
+                <a:spcPct val="107000"/>
+              </a:lnSpc>
+              <a:spcBef>
+                <a:spcPts val="1050"/>
+              </a:spcBef>
+              <a:spcAft>
+                <a:spcPts val="1050"/>
+              </a:spcAft>
+              <a:buNone/>
+            </a:pPr>
+            <a:endParaRPr lang="en-GB" sz="1800" b="1" i="1" dirty="0">
+              <a:effectLst/>
+              <a:latin typeface="Helvetica" panose="020B0604020202020204" pitchFamily="34" charset="0"/>
+              <a:ea typeface="Times New Roman" panose="02020603050405020304" pitchFamily="18" charset="0"/>
+              <a:cs typeface="Times New Roman" panose="02020603050405020304" pitchFamily="18" charset="0"/>
+            </a:endParaRPr>
+          </a:p>
+          <a:p>
+            <a:pPr marL="0" indent="0">
+              <a:lnSpc>
+                <a:spcPct val="107000"/>
+              </a:lnSpc>
+              <a:spcBef>
+                <a:spcPts val="1050"/>
+              </a:spcBef>
+              <a:spcAft>
+                <a:spcPts val="1050"/>
+              </a:spcAft>
+              <a:buNone/>
+            </a:pPr>
+            <a:endParaRPr lang="en-GB" sz="1800" b="1" i="1" dirty="0">
+              <a:effectLst/>
+              <a:latin typeface="Helvetica" panose="020B0604020202020204" pitchFamily="34" charset="0"/>
+              <a:ea typeface="Times New Roman" panose="02020603050405020304" pitchFamily="18" charset="0"/>
+              <a:cs typeface="Times New Roman" panose="02020603050405020304" pitchFamily="18" charset="0"/>
+            </a:endParaRPr>
+          </a:p>
+          <a:p>
+            <a:pPr marL="0" indent="0">
+              <a:lnSpc>
+                <a:spcPct val="107000"/>
+              </a:lnSpc>
+              <a:spcBef>
+                <a:spcPts val="1050"/>
+              </a:spcBef>
+              <a:spcAft>
+                <a:spcPts val="1050"/>
+              </a:spcAft>
+              <a:buNone/>
+            </a:pPr>
+            <a:r>
+              <a:rPr lang="en-GB" sz="1600" b="1" i="1" dirty="0">
+                <a:effectLst/>
+                <a:latin typeface="Helvetica" panose="020B0604020202020204" pitchFamily="34" charset="0"/>
+                <a:ea typeface="Times New Roman" panose="02020603050405020304" pitchFamily="18" charset="0"/>
+                <a:cs typeface="Times New Roman" panose="02020603050405020304" pitchFamily="18" charset="0"/>
+              </a:rPr>
+              <a:t>Copyright 2022 The MathWorks, Inc. &amp; Opti-</a:t>
+            </a:r>
+            <a:r>
+              <a:rPr lang="en-GB" sz="1600" b="1" i="1" dirty="0" err="1">
+                <a:effectLst/>
+                <a:latin typeface="Helvetica" panose="020B0604020202020204" pitchFamily="34" charset="0"/>
+                <a:ea typeface="Times New Roman" panose="02020603050405020304" pitchFamily="18" charset="0"/>
+                <a:cs typeface="Times New Roman" panose="02020603050405020304" pitchFamily="18" charset="0"/>
+              </a:rPr>
+              <a:t>Num</a:t>
+            </a:r>
+            <a:r>
+              <a:rPr lang="en-GB" sz="1600" b="1" i="1" dirty="0">
+                <a:effectLst/>
+                <a:latin typeface="Helvetica" panose="020B0604020202020204" pitchFamily="34" charset="0"/>
+                <a:ea typeface="Times New Roman" panose="02020603050405020304" pitchFamily="18" charset="0"/>
+                <a:cs typeface="Times New Roman" panose="02020603050405020304" pitchFamily="18" charset="0"/>
+              </a:rPr>
+              <a:t> Solutions (Pty) Ltd. </a:t>
+            </a:r>
+            <a:endParaRPr lang="en-ZA" sz="1600" dirty="0">
+              <a:effectLst/>
+              <a:latin typeface="Helvetica" panose="020B0604020202020204" pitchFamily="34" charset="0"/>
+              <a:ea typeface="Times New Roman" panose="02020603050405020304" pitchFamily="18" charset="0"/>
+              <a:cs typeface="Times New Roman" panose="02020603050405020304" pitchFamily="18" charset="0"/>
+            </a:endParaRPr>
+          </a:p>
+          <a:p>
+            <a:pPr>
+              <a:lnSpc>
+                <a:spcPct val="107000"/>
+              </a:lnSpc>
+              <a:spcBef>
+                <a:spcPts val="1050"/>
+              </a:spcBef>
+              <a:spcAft>
+                <a:spcPts val="1050"/>
+              </a:spcAft>
+            </a:pPr>
             <a:endParaRPr kumimoji="0" lang="en-ZA" altLang="en-US" sz="1600" b="0" i="0" u="none" strike="noStrike" cap="none" normalizeH="0" baseline="0" dirty="0">
               <a:ln>
                 <a:noFill/>
